--- a/架構圖.pptx
+++ b/架構圖.pptx
@@ -7,6 +7,7 @@
   <p:sldIdLst>
     <p:sldId id="256" r:id="rId2"/>
     <p:sldId id="257" r:id="rId3"/>
+    <p:sldId id="258" r:id="rId4"/>
   </p:sldIdLst>
   <p:sldSz cx="12192000" cy="6858000"/>
   <p:notesSz cx="6858000" cy="9144000"/>
@@ -105,6 +106,11 @@
       </a:defRPr>
     </a:lvl9pPr>
   </p:defaultTextStyle>
+  <p:extLst>
+    <p:ext uri="{EFAFB233-063F-42B5-8137-9DF3F51BA10A}">
+      <p15:sldGuideLst xmlns:p15="http://schemas.microsoft.com/office/powerpoint/2012/main"/>
+    </p:ext>
+  </p:extLst>
 </p:presentation>
 </file>
 
@@ -255,7 +261,7 @@
           <a:p>
             <a:fld id="{A1024A74-F8FE-4B2C-A8DB-72EB5406E2AC}" type="datetimeFigureOut">
               <a:rPr lang="zh-TW" altLang="en-US" smtClean="0"/>
-              <a:t>2023/1/4</a:t>
+              <a:t>2023/1/5</a:t>
             </a:fld>
             <a:endParaRPr lang="zh-TW" altLang="en-US"/>
           </a:p>
@@ -453,7 +459,7 @@
           <a:p>
             <a:fld id="{A1024A74-F8FE-4B2C-A8DB-72EB5406E2AC}" type="datetimeFigureOut">
               <a:rPr lang="zh-TW" altLang="en-US" smtClean="0"/>
-              <a:t>2023/1/4</a:t>
+              <a:t>2023/1/5</a:t>
             </a:fld>
             <a:endParaRPr lang="zh-TW" altLang="en-US"/>
           </a:p>
@@ -661,7 +667,7 @@
           <a:p>
             <a:fld id="{A1024A74-F8FE-4B2C-A8DB-72EB5406E2AC}" type="datetimeFigureOut">
               <a:rPr lang="zh-TW" altLang="en-US" smtClean="0"/>
-              <a:t>2023/1/4</a:t>
+              <a:t>2023/1/5</a:t>
             </a:fld>
             <a:endParaRPr lang="zh-TW" altLang="en-US"/>
           </a:p>
@@ -859,7 +865,7 @@
           <a:p>
             <a:fld id="{A1024A74-F8FE-4B2C-A8DB-72EB5406E2AC}" type="datetimeFigureOut">
               <a:rPr lang="zh-TW" altLang="en-US" smtClean="0"/>
-              <a:t>2023/1/4</a:t>
+              <a:t>2023/1/5</a:t>
             </a:fld>
             <a:endParaRPr lang="zh-TW" altLang="en-US"/>
           </a:p>
@@ -1134,7 +1140,7 @@
           <a:p>
             <a:fld id="{A1024A74-F8FE-4B2C-A8DB-72EB5406E2AC}" type="datetimeFigureOut">
               <a:rPr lang="zh-TW" altLang="en-US" smtClean="0"/>
-              <a:t>2023/1/4</a:t>
+              <a:t>2023/1/5</a:t>
             </a:fld>
             <a:endParaRPr lang="zh-TW" altLang="en-US"/>
           </a:p>
@@ -1399,7 +1405,7 @@
           <a:p>
             <a:fld id="{A1024A74-F8FE-4B2C-A8DB-72EB5406E2AC}" type="datetimeFigureOut">
               <a:rPr lang="zh-TW" altLang="en-US" smtClean="0"/>
-              <a:t>2023/1/4</a:t>
+              <a:t>2023/1/5</a:t>
             </a:fld>
             <a:endParaRPr lang="zh-TW" altLang="en-US"/>
           </a:p>
@@ -1811,7 +1817,7 @@
           <a:p>
             <a:fld id="{A1024A74-F8FE-4B2C-A8DB-72EB5406E2AC}" type="datetimeFigureOut">
               <a:rPr lang="zh-TW" altLang="en-US" smtClean="0"/>
-              <a:t>2023/1/4</a:t>
+              <a:t>2023/1/5</a:t>
             </a:fld>
             <a:endParaRPr lang="zh-TW" altLang="en-US"/>
           </a:p>
@@ -1952,7 +1958,7 @@
           <a:p>
             <a:fld id="{A1024A74-F8FE-4B2C-A8DB-72EB5406E2AC}" type="datetimeFigureOut">
               <a:rPr lang="zh-TW" altLang="en-US" smtClean="0"/>
-              <a:t>2023/1/4</a:t>
+              <a:t>2023/1/5</a:t>
             </a:fld>
             <a:endParaRPr lang="zh-TW" altLang="en-US"/>
           </a:p>
@@ -2065,7 +2071,7 @@
           <a:p>
             <a:fld id="{A1024A74-F8FE-4B2C-A8DB-72EB5406E2AC}" type="datetimeFigureOut">
               <a:rPr lang="zh-TW" altLang="en-US" smtClean="0"/>
-              <a:t>2023/1/4</a:t>
+              <a:t>2023/1/5</a:t>
             </a:fld>
             <a:endParaRPr lang="zh-TW" altLang="en-US"/>
           </a:p>
@@ -2376,7 +2382,7 @@
           <a:p>
             <a:fld id="{A1024A74-F8FE-4B2C-A8DB-72EB5406E2AC}" type="datetimeFigureOut">
               <a:rPr lang="zh-TW" altLang="en-US" smtClean="0"/>
-              <a:t>2023/1/4</a:t>
+              <a:t>2023/1/5</a:t>
             </a:fld>
             <a:endParaRPr lang="zh-TW" altLang="en-US"/>
           </a:p>
@@ -2664,7 +2670,7 @@
           <a:p>
             <a:fld id="{A1024A74-F8FE-4B2C-A8DB-72EB5406E2AC}" type="datetimeFigureOut">
               <a:rPr lang="zh-TW" altLang="en-US" smtClean="0"/>
-              <a:t>2023/1/4</a:t>
+              <a:t>2023/1/5</a:t>
             </a:fld>
             <a:endParaRPr lang="zh-TW" altLang="en-US"/>
           </a:p>
@@ -2905,7 +2911,7 @@
           <a:p>
             <a:fld id="{A1024A74-F8FE-4B2C-A8DB-72EB5406E2AC}" type="datetimeFigureOut">
               <a:rPr lang="zh-TW" altLang="en-US" smtClean="0"/>
-              <a:t>2023/1/4</a:t>
+              <a:t>2023/1/5</a:t>
             </a:fld>
             <a:endParaRPr lang="zh-TW" altLang="en-US"/>
           </a:p>
@@ -5323,6 +5329,254 @@
 </p:sld>
 </file>
 
+<file path=ppt/slides/slide3.xml><?xml version="1.0" encoding="utf-8"?>
+<p:sld xmlns:a="http://schemas.openxmlformats.org/drawingml/2006/main" xmlns:r="http://schemas.openxmlformats.org/officeDocument/2006/relationships" xmlns:p="http://schemas.openxmlformats.org/presentationml/2006/main">
+  <p:cSld>
+    <p:spTree>
+      <p:nvGrpSpPr>
+        <p:cNvPr id="1" name=""/>
+        <p:cNvGrpSpPr/>
+        <p:nvPr/>
+      </p:nvGrpSpPr>
+      <p:grpSpPr>
+        <a:xfrm>
+          <a:off x="0" y="0"/>
+          <a:ext cx="0" cy="0"/>
+          <a:chOff x="0" y="0"/>
+          <a:chExt cx="0" cy="0"/>
+        </a:xfrm>
+      </p:grpSpPr>
+      <p:pic>
+        <p:nvPicPr>
+          <p:cNvPr id="5" name="圖片 4">
+            <a:extLst>
+              <a:ext uri="{FF2B5EF4-FFF2-40B4-BE49-F238E27FC236}">
+                <a16:creationId xmlns:a16="http://schemas.microsoft.com/office/drawing/2014/main" id="{5ECE4FF5-2431-46D2-BED9-0CC067602104}"/>
+              </a:ext>
+            </a:extLst>
+          </p:cNvPr>
+          <p:cNvPicPr>
+            <a:picLocks noChangeAspect="1"/>
+          </p:cNvPicPr>
+          <p:nvPr/>
+        </p:nvPicPr>
+        <p:blipFill rotWithShape="1">
+          <a:blip r:embed="rId2">
+            <a:extLst>
+              <a:ext uri="{28A0092B-C50C-407E-A947-70E740481C1C}">
+                <a14:useLocalDpi xmlns:a14="http://schemas.microsoft.com/office/drawing/2010/main" val="0"/>
+              </a:ext>
+            </a:extLst>
+          </a:blip>
+          <a:srcRect t="14546" r="2515" b="13670"/>
+          <a:stretch/>
+        </p:blipFill>
+        <p:spPr>
+          <a:xfrm>
+            <a:off x="121105" y="355597"/>
+            <a:ext cx="7628204" cy="4213787"/>
+          </a:xfrm>
+          <a:prstGeom prst="rect">
+            <a:avLst/>
+          </a:prstGeom>
+        </p:spPr>
+      </p:pic>
+      <p:pic>
+        <p:nvPicPr>
+          <p:cNvPr id="7" name="圖片 6">
+            <a:extLst>
+              <a:ext uri="{FF2B5EF4-FFF2-40B4-BE49-F238E27FC236}">
+                <a16:creationId xmlns:a16="http://schemas.microsoft.com/office/drawing/2014/main" id="{DC1E48E8-1F85-4473-B82A-45E4CC730A07}"/>
+              </a:ext>
+            </a:extLst>
+          </p:cNvPr>
+          <p:cNvPicPr>
+            <a:picLocks noChangeAspect="1"/>
+          </p:cNvPicPr>
+          <p:nvPr/>
+        </p:nvPicPr>
+        <p:blipFill rotWithShape="1">
+          <a:blip r:embed="rId3">
+            <a:extLst>
+              <a:ext uri="{28A0092B-C50C-407E-A947-70E740481C1C}">
+                <a14:useLocalDpi xmlns:a14="http://schemas.microsoft.com/office/drawing/2010/main" val="0"/>
+              </a:ext>
+            </a:extLst>
+          </a:blip>
+          <a:srcRect l="6958" t="20917" r="25538" b="12313"/>
+          <a:stretch/>
+        </p:blipFill>
+        <p:spPr>
+          <a:xfrm rot="16200000">
+            <a:off x="7823350" y="1025386"/>
+            <a:ext cx="3768439" cy="4968861"/>
+          </a:xfrm>
+          <a:prstGeom prst="rect">
+            <a:avLst/>
+          </a:prstGeom>
+        </p:spPr>
+      </p:pic>
+      <p:sp>
+        <p:nvSpPr>
+          <p:cNvPr id="8" name="文字方塊 7">
+            <a:extLst>
+              <a:ext uri="{FF2B5EF4-FFF2-40B4-BE49-F238E27FC236}">
+                <a16:creationId xmlns:a16="http://schemas.microsoft.com/office/drawing/2014/main" id="{D4E42483-1397-42C0-B06A-69565143C74B}"/>
+              </a:ext>
+            </a:extLst>
+          </p:cNvPr>
+          <p:cNvSpPr txBox="1"/>
+          <p:nvPr/>
+        </p:nvSpPr>
+        <p:spPr>
+          <a:xfrm>
+            <a:off x="10200794" y="3873252"/>
+            <a:ext cx="1544012" cy="646331"/>
+          </a:xfrm>
+          <a:prstGeom prst="rect">
+            <a:avLst/>
+          </a:prstGeom>
+          <a:noFill/>
+          <a:ln w="28575">
+            <a:solidFill>
+              <a:schemeClr val="bg1"/>
+            </a:solidFill>
+          </a:ln>
+        </p:spPr>
+        <p:txBody>
+          <a:bodyPr wrap="none" rtlCol="0">
+            <a:spAutoFit/>
+          </a:bodyPr>
+          <a:lstStyle/>
+          <a:p>
+            <a:pPr algn="ctr"/>
+            <a:r>
+              <a:rPr lang="en-US" altLang="zh-TW" sz="3600" b="1" dirty="0">
+                <a:solidFill>
+                  <a:schemeClr val="bg1"/>
+                </a:solidFill>
+                <a:latin typeface="Times New Roman" panose="02020603050405020304" pitchFamily="18" charset="0"/>
+                <a:cs typeface="Times New Roman" panose="02020603050405020304" pitchFamily="18" charset="0"/>
+              </a:rPr>
+              <a:t>Esp-32</a:t>
+            </a:r>
+          </a:p>
+        </p:txBody>
+      </p:sp>
+      <p:sp>
+        <p:nvSpPr>
+          <p:cNvPr id="9" name="文字方塊 8">
+            <a:extLst>
+              <a:ext uri="{FF2B5EF4-FFF2-40B4-BE49-F238E27FC236}">
+                <a16:creationId xmlns:a16="http://schemas.microsoft.com/office/drawing/2014/main" id="{D49C96E6-D22C-479B-A15D-DDD111F61766}"/>
+              </a:ext>
+            </a:extLst>
+          </p:cNvPr>
+          <p:cNvSpPr txBox="1"/>
+          <p:nvPr/>
+        </p:nvSpPr>
+        <p:spPr>
+          <a:xfrm>
+            <a:off x="5323994" y="2308473"/>
+            <a:ext cx="1544012" cy="646331"/>
+          </a:xfrm>
+          <a:prstGeom prst="rect">
+            <a:avLst/>
+          </a:prstGeom>
+          <a:noFill/>
+          <a:ln w="28575">
+            <a:solidFill>
+              <a:schemeClr val="bg1"/>
+            </a:solidFill>
+          </a:ln>
+        </p:spPr>
+        <p:txBody>
+          <a:bodyPr wrap="none" rtlCol="0">
+            <a:spAutoFit/>
+          </a:bodyPr>
+          <a:lstStyle/>
+          <a:p>
+            <a:pPr algn="ctr"/>
+            <a:r>
+              <a:rPr lang="en-US" altLang="zh-TW" sz="3600" b="1" dirty="0">
+                <a:solidFill>
+                  <a:schemeClr val="bg1"/>
+                </a:solidFill>
+                <a:latin typeface="Times New Roman" panose="02020603050405020304" pitchFamily="18" charset="0"/>
+                <a:cs typeface="Times New Roman" panose="02020603050405020304" pitchFamily="18" charset="0"/>
+              </a:rPr>
+              <a:t>Esp-32</a:t>
+            </a:r>
+          </a:p>
+        </p:txBody>
+      </p:sp>
+      <p:sp>
+        <p:nvSpPr>
+          <p:cNvPr id="10" name="文字方塊 9">
+            <a:extLst>
+              <a:ext uri="{FF2B5EF4-FFF2-40B4-BE49-F238E27FC236}">
+                <a16:creationId xmlns:a16="http://schemas.microsoft.com/office/drawing/2014/main" id="{C853C3B2-94AC-4E09-81E3-BD7179B2444B}"/>
+              </a:ext>
+            </a:extLst>
+          </p:cNvPr>
+          <p:cNvSpPr txBox="1"/>
+          <p:nvPr/>
+        </p:nvSpPr>
+        <p:spPr>
+          <a:xfrm>
+            <a:off x="1426249" y="3226921"/>
+            <a:ext cx="928459" cy="646331"/>
+          </a:xfrm>
+          <a:prstGeom prst="rect">
+            <a:avLst/>
+          </a:prstGeom>
+          <a:noFill/>
+          <a:ln w="28575">
+            <a:solidFill>
+              <a:schemeClr val="bg1"/>
+            </a:solidFill>
+          </a:ln>
+        </p:spPr>
+        <p:txBody>
+          <a:bodyPr wrap="none" rtlCol="0">
+            <a:spAutoFit/>
+          </a:bodyPr>
+          <a:lstStyle/>
+          <a:p>
+            <a:pPr algn="ctr"/>
+            <a:r>
+              <a:rPr lang="en-US" altLang="zh-TW" sz="3600" b="1" dirty="0" err="1">
+                <a:solidFill>
+                  <a:schemeClr val="bg1"/>
+                </a:solidFill>
+                <a:latin typeface="Times New Roman" panose="02020603050405020304" pitchFamily="18" charset="0"/>
+                <a:cs typeface="Times New Roman" panose="02020603050405020304" pitchFamily="18" charset="0"/>
+              </a:rPr>
+              <a:t>RPi</a:t>
+            </a:r>
+            <a:endParaRPr lang="en-US" altLang="zh-TW" sz="3600" b="1" dirty="0">
+              <a:solidFill>
+                <a:schemeClr val="bg1"/>
+              </a:solidFill>
+              <a:latin typeface="Times New Roman" panose="02020603050405020304" pitchFamily="18" charset="0"/>
+              <a:cs typeface="Times New Roman" panose="02020603050405020304" pitchFamily="18" charset="0"/>
+            </a:endParaRPr>
+          </a:p>
+        </p:txBody>
+      </p:sp>
+    </p:spTree>
+    <p:extLst>
+      <p:ext uri="{BB962C8B-B14F-4D97-AF65-F5344CB8AC3E}">
+        <p14:creationId xmlns:p14="http://schemas.microsoft.com/office/powerpoint/2010/main" val="2482330654"/>
+      </p:ext>
+    </p:extLst>
+  </p:cSld>
+  <p:clrMapOvr>
+    <a:masterClrMapping/>
+  </p:clrMapOvr>
+</p:sld>
+</file>
+
 <file path=ppt/theme/theme1.xml><?xml version="1.0" encoding="utf-8"?>
 <a:theme xmlns:a="http://schemas.openxmlformats.org/drawingml/2006/main" name="Office 佈景主題">
   <a:themeElements>
